--- a/teach/fall_22/slides/ds_7_2022.pptx
+++ b/teach/fall_22/slides/ds_7_2022.pptx
@@ -5,7 +5,7 @@
     <p:sldMasterId id="2147483648" r:id="rId1"/>
   </p:sldMasterIdLst>
   <p:notesMasterIdLst>
-    <p:notesMasterId r:id="rId10"/>
+    <p:notesMasterId r:id="rId11"/>
   </p:notesMasterIdLst>
   <p:sldIdLst>
     <p:sldId id="256" r:id="rId2"/>
@@ -13,9 +13,10 @@
     <p:sldId id="697" r:id="rId4"/>
     <p:sldId id="698" r:id="rId5"/>
     <p:sldId id="754" r:id="rId6"/>
-    <p:sldId id="717" r:id="rId7"/>
-    <p:sldId id="726" r:id="rId8"/>
-    <p:sldId id="755" r:id="rId9"/>
+    <p:sldId id="756" r:id="rId7"/>
+    <p:sldId id="717" r:id="rId8"/>
+    <p:sldId id="726" r:id="rId9"/>
+    <p:sldId id="755" r:id="rId10"/>
   </p:sldIdLst>
   <p:sldSz cx="12192000" cy="6858000"/>
   <p:notesSz cx="6858000" cy="9144000"/>
@@ -11979,7 +11980,7 @@
           <a:p>
             <a:fld id="{3B15A1CC-ACDD-704E-8698-C6E1792162B7}" type="datetimeFigureOut">
               <a:rPr lang="en-US" smtClean="0"/>
-              <a:t>9/28/22</a:t>
+              <a:t>10/10/22</a:t>
             </a:fld>
             <a:endParaRPr lang="en-US"/>
           </a:p>
@@ -12576,7 +12577,7 @@
             <a:fld id="{B61BEF0D-F0BB-DE4B-95CE-6DB70DBA9567}" type="datetimeFigureOut">
               <a:rPr lang="en-US"/>
               <a:pPr/>
-              <a:t>9/28/22</a:t>
+              <a:t>10/10/22</a:t>
             </a:fld>
             <a:endParaRPr lang="en-US"/>
           </a:p>
@@ -12835,7 +12836,7 @@
             <a:fld id="{B61BEF0D-F0BB-DE4B-95CE-6DB70DBA9567}" type="datetimeFigureOut">
               <a:rPr lang="en-US"/>
               <a:pPr/>
-              <a:t>9/28/22</a:t>
+              <a:t>10/10/22</a:t>
             </a:fld>
             <a:endParaRPr lang="en-US"/>
           </a:p>
@@ -13067,7 +13068,7 @@
             <a:fld id="{B61BEF0D-F0BB-DE4B-95CE-6DB70DBA9567}" type="datetimeFigureOut">
               <a:rPr lang="en-US"/>
               <a:pPr/>
-              <a:t>9/28/22</a:t>
+              <a:t>10/10/22</a:t>
             </a:fld>
             <a:endParaRPr lang="en-US"/>
           </a:p>
@@ -13304,7 +13305,7 @@
             <a:fld id="{B61BEF0D-F0BB-DE4B-95CE-6DB70DBA9567}" type="datetimeFigureOut">
               <a:rPr lang="en-US"/>
               <a:pPr/>
-              <a:t>9/28/22</a:t>
+              <a:t>10/10/22</a:t>
             </a:fld>
             <a:endParaRPr lang="en-US"/>
           </a:p>
@@ -13608,7 +13609,7 @@
             <a:fld id="{B61BEF0D-F0BB-DE4B-95CE-6DB70DBA9567}" type="datetimeFigureOut">
               <a:rPr lang="en-US"/>
               <a:pPr/>
-              <a:t>9/28/22</a:t>
+              <a:t>10/10/22</a:t>
             </a:fld>
             <a:endParaRPr lang="en-US"/>
           </a:p>
@@ -13907,7 +13908,7 @@
             <a:fld id="{B61BEF0D-F0BB-DE4B-95CE-6DB70DBA9567}" type="datetimeFigureOut">
               <a:rPr lang="en-US"/>
               <a:pPr/>
-              <a:t>9/28/22</a:t>
+              <a:t>10/10/22</a:t>
             </a:fld>
             <a:endParaRPr lang="en-US"/>
           </a:p>
@@ -14326,7 +14327,7 @@
             <a:fld id="{B61BEF0D-F0BB-DE4B-95CE-6DB70DBA9567}" type="datetimeFigureOut">
               <a:rPr lang="en-US"/>
               <a:pPr/>
-              <a:t>9/28/22</a:t>
+              <a:t>10/10/22</a:t>
             </a:fld>
             <a:endParaRPr lang="en-US"/>
           </a:p>
@@ -14485,7 +14486,7 @@
             <a:fld id="{B61BEF0D-F0BB-DE4B-95CE-6DB70DBA9567}" type="datetimeFigureOut">
               <a:rPr lang="en-US"/>
               <a:pPr/>
-              <a:t>9/28/22</a:t>
+              <a:t>10/10/22</a:t>
             </a:fld>
             <a:endParaRPr lang="en-US"/>
           </a:p>
@@ -14577,7 +14578,7 @@
             <a:fld id="{B61BEF0D-F0BB-DE4B-95CE-6DB70DBA9567}" type="datetimeFigureOut">
               <a:rPr lang="en-US"/>
               <a:pPr/>
-              <a:t>9/28/22</a:t>
+              <a:t>10/10/22</a:t>
             </a:fld>
             <a:endParaRPr lang="en-US"/>
           </a:p>
@@ -14952,7 +14953,7 @@
             <a:fld id="{B61BEF0D-F0BB-DE4B-95CE-6DB70DBA9567}" type="datetimeFigureOut">
               <a:rPr lang="en-US"/>
               <a:pPr/>
-              <a:t>9/28/22</a:t>
+              <a:t>10/10/22</a:t>
             </a:fld>
             <a:endParaRPr lang="en-US"/>
           </a:p>
@@ -15237,7 +15238,7 @@
             <a:fld id="{B61BEF0D-F0BB-DE4B-95CE-6DB70DBA9567}" type="datetimeFigureOut">
               <a:rPr lang="en-US"/>
               <a:pPr/>
-              <a:t>9/28/22</a:t>
+              <a:t>10/10/22</a:t>
             </a:fld>
             <a:endParaRPr lang="en-US"/>
           </a:p>
@@ -15445,7 +15446,7 @@
             <a:fld id="{B61BEF0D-F0BB-DE4B-95CE-6DB70DBA9567}" type="datetimeFigureOut">
               <a:rPr lang="en-US"/>
               <a:pPr/>
-              <a:t>9/28/22</a:t>
+              <a:t>10/10/22</a:t>
             </a:fld>
             <a:endParaRPr lang="en-US"/>
           </a:p>
@@ -27256,9 +27257,9 @@
         </p:nvGrpSpPr>
         <p:grpSpPr bwMode="auto">
           <a:xfrm>
-            <a:off x="3005667" y="1633009"/>
+            <a:off x="100542" y="2021947"/>
             <a:ext cx="6850063" cy="5235575"/>
-            <a:chOff x="1392" y="686"/>
+            <a:chOff x="-438" y="931"/>
             <a:chExt cx="4315" cy="3298"/>
           </a:xfrm>
         </p:grpSpPr>
@@ -27277,13 +27278,13 @@
             <p:nvPr>
               <p:extLst>
                 <p:ext uri="{D42A27DB-BD31-4B8C-83A1-F6EECF244321}">
-                  <p14:modId xmlns:p14="http://schemas.microsoft.com/office/powerpoint/2010/main" val="2190386660"/>
+                  <p14:modId xmlns:p14="http://schemas.microsoft.com/office/powerpoint/2010/main" val="371291333"/>
                 </p:ext>
               </p:extLst>
             </p:nvPr>
           </p:nvGraphicFramePr>
           <p:xfrm>
-            <a:off x="1392" y="686"/>
+            <a:off x="-438" y="931"/>
             <a:ext cx="4315" cy="3298"/>
           </p:xfrm>
           <a:graphic>
@@ -27326,7 +27327,7 @@
                       </p:blipFill>
                       <p:spPr bwMode="auto">
                         <a:xfrm>
-                          <a:off x="1392" y="686"/>
+                          <a:off x="-438" y="931"/>
                           <a:ext cx="4315" cy="3298"/>
                         </a:xfrm>
                         <a:prstGeom prst="rect">
@@ -31504,6 +31505,172 @@
       </p:grpSpPr>
       <p:sp>
         <p:nvSpPr>
+          <p:cNvPr id="2" name="Title 1">
+            <a:extLst>
+              <a:ext uri="{FF2B5EF4-FFF2-40B4-BE49-F238E27FC236}">
+                <a16:creationId xmlns:a16="http://schemas.microsoft.com/office/drawing/2014/main" id="{30A52D34-B506-8AEB-6208-56EE583659F4}"/>
+              </a:ext>
+            </a:extLst>
+          </p:cNvPr>
+          <p:cNvSpPr>
+            <a:spLocks noGrp="1"/>
+          </p:cNvSpPr>
+          <p:nvPr>
+            <p:ph type="title"/>
+          </p:nvPr>
+        </p:nvSpPr>
+        <p:spPr/>
+        <p:txBody>
+          <a:bodyPr/>
+          <a:lstStyle/>
+          <a:p>
+            <a:endParaRPr lang="en-US"/>
+          </a:p>
+        </p:txBody>
+      </p:sp>
+      <p:graphicFrame>
+        <p:nvGraphicFramePr>
+          <p:cNvPr id="7" name="Object 5">
+            <a:extLst>
+              <a:ext uri="{FF2B5EF4-FFF2-40B4-BE49-F238E27FC236}">
+                <a16:creationId xmlns:a16="http://schemas.microsoft.com/office/drawing/2014/main" id="{2D5DF09A-D314-A836-184B-23D2AEDFD08E}"/>
+              </a:ext>
+            </a:extLst>
+          </p:cNvPr>
+          <p:cNvGraphicFramePr>
+            <a:graphicFrameLocks noChangeAspect="1"/>
+          </p:cNvGraphicFramePr>
+          <p:nvPr>
+            <p:extLst>
+              <p:ext uri="{D42A27DB-BD31-4B8C-83A1-F6EECF244321}">
+                <p14:modId xmlns:p14="http://schemas.microsoft.com/office/powerpoint/2010/main" val="765794005"/>
+              </p:ext>
+            </p:extLst>
+          </p:nvPr>
+        </p:nvGraphicFramePr>
+        <p:xfrm>
+          <a:off x="3005667" y="1633007"/>
+          <a:ext cx="6850063" cy="5235575"/>
+        </p:xfrm>
+        <a:graphic>
+          <a:graphicData uri="http://schemas.openxmlformats.org/presentationml/2006/ole">
+            <mc:AlternateContent xmlns:mc="http://schemas.openxmlformats.org/markup-compatibility/2006">
+              <mc:Choice xmlns:v="urn:schemas-microsoft-com:vml" Requires="v">
+                <p:oleObj name="Visio" r:id="rId2" imgW="9866478" imgH="7377618" progId="Visio.Drawing.6">
+                  <p:embed/>
+                </p:oleObj>
+              </mc:Choice>
+              <mc:Fallback>
+                <p:oleObj name="Visio" r:id="rId2" imgW="9866478" imgH="7377618" progId="Visio.Drawing.6">
+                  <p:embed/>
+                  <p:pic>
+                    <p:nvPicPr>
+                      <p:cNvPr id="12" name="Object 5">
+                        <a:extLst>
+                          <a:ext uri="{FF2B5EF4-FFF2-40B4-BE49-F238E27FC236}">
+                            <a16:creationId xmlns:a16="http://schemas.microsoft.com/office/drawing/2014/main" id="{1A91C299-3572-2C45-AC78-7FC190599AFC}"/>
+                          </a:ext>
+                        </a:extLst>
+                      </p:cNvPr>
+                      <p:cNvPicPr>
+                        <a:picLocks noChangeAspect="1" noChangeArrowheads="1"/>
+                      </p:cNvPicPr>
+                      <p:nvPr/>
+                    </p:nvPicPr>
+                    <p:blipFill>
+                      <a:blip r:embed="rId3">
+                        <a:extLst>
+                          <a:ext uri="{28A0092B-C50C-407E-A947-70E740481C1C}">
+                            <a14:useLocalDpi xmlns:a14="http://schemas.microsoft.com/office/drawing/2010/main" val="0"/>
+                          </a:ext>
+                        </a:extLst>
+                      </a:blip>
+                      <a:srcRect/>
+                      <a:stretch>
+                        <a:fillRect/>
+                      </a:stretch>
+                    </p:blipFill>
+                    <p:spPr bwMode="auto">
+                      <a:xfrm>
+                        <a:off x="3005667" y="1633007"/>
+                        <a:ext cx="6850063" cy="5235575"/>
+                      </a:xfrm>
+                      <a:prstGeom prst="rect">
+                        <a:avLst/>
+                      </a:prstGeom>
+                      <a:noFill/>
+                      <a:ln>
+                        <a:noFill/>
+                      </a:ln>
+                      <a:effectLst/>
+                      <a:extLst>
+                        <a:ext uri="{909E8E84-426E-40DD-AFC4-6F175D3DCCD1}">
+                          <a14:hiddenFill xmlns:a14="http://schemas.microsoft.com/office/drawing/2010/main">
+                            <a:solidFill>
+                              <a:schemeClr val="accent1"/>
+                            </a:solidFill>
+                          </a14:hiddenFill>
+                        </a:ext>
+                        <a:ext uri="{91240B29-F687-4F45-9708-019B960494DF}">
+                          <a14:hiddenLine xmlns:a14="http://schemas.microsoft.com/office/drawing/2010/main" w="12700">
+                            <a:solidFill>
+                              <a:schemeClr val="tx1"/>
+                            </a:solidFill>
+                            <a:miter lim="800000"/>
+                            <a:headEnd/>
+                            <a:tailEnd/>
+                          </a14:hiddenLine>
+                        </a:ext>
+                        <a:ext uri="{AF507438-7753-43E0-B8FC-AC1667EBCBE1}">
+                          <a14:hiddenEffects xmlns:a14="http://schemas.microsoft.com/office/drawing/2010/main">
+                            <a:effectLst>
+                              <a:outerShdw dist="35921" dir="2700000" algn="ctr" rotWithShape="0">
+                                <a:schemeClr val="bg2"/>
+                              </a:outerShdw>
+                            </a:effectLst>
+                          </a14:hiddenEffects>
+                        </a:ext>
+                      </a:extLst>
+                    </p:spPr>
+                  </p:pic>
+                </p:oleObj>
+              </mc:Fallback>
+            </mc:AlternateContent>
+          </a:graphicData>
+        </a:graphic>
+      </p:graphicFrame>
+    </p:spTree>
+    <p:extLst>
+      <p:ext uri="{BB962C8B-B14F-4D97-AF65-F5344CB8AC3E}">
+        <p14:creationId xmlns:p14="http://schemas.microsoft.com/office/powerpoint/2010/main" val="1730486416"/>
+      </p:ext>
+    </p:extLst>
+  </p:cSld>
+  <p:clrMapOvr>
+    <a:masterClrMapping/>
+  </p:clrMapOvr>
+</p:sld>
+</file>
+
+<file path=ppt/slides/slide7.xml><?xml version="1.0" encoding="utf-8"?>
+<p:sld xmlns:a="http://schemas.openxmlformats.org/drawingml/2006/main" xmlns:r="http://schemas.openxmlformats.org/officeDocument/2006/relationships" xmlns:p="http://schemas.openxmlformats.org/presentationml/2006/main">
+  <p:cSld>
+    <p:spTree>
+      <p:nvGrpSpPr>
+        <p:cNvPr id="1" name=""/>
+        <p:cNvGrpSpPr/>
+        <p:nvPr/>
+      </p:nvGrpSpPr>
+      <p:grpSpPr>
+        <a:xfrm>
+          <a:off x="0" y="0"/>
+          <a:ext cx="0" cy="0"/>
+          <a:chOff x="0" y="0"/>
+          <a:chExt cx="0" cy="0"/>
+        </a:xfrm>
+      </p:grpSpPr>
+      <p:sp>
+        <p:nvSpPr>
           <p:cNvPr id="30722" name="Rectangle 2"/>
           <p:cNvSpPr>
             <a:spLocks noGrp="1" noChangeArrowheads="1"/>
@@ -31673,7 +31840,7 @@
 </p:sld>
 </file>
 
-<file path=ppt/slides/slide7.xml><?xml version="1.0" encoding="utf-8"?>
+<file path=ppt/slides/slide8.xml><?xml version="1.0" encoding="utf-8"?>
 <p:sld xmlns:a="http://schemas.openxmlformats.org/drawingml/2006/main" xmlns:r="http://schemas.openxmlformats.org/officeDocument/2006/relationships" xmlns:p="http://schemas.openxmlformats.org/presentationml/2006/main">
   <p:cSld>
     <p:spTree>
@@ -32543,7 +32710,7 @@
 </p:sld>
 </file>
 
-<file path=ppt/slides/slide8.xml><?xml version="1.0" encoding="utf-8"?>
+<file path=ppt/slides/slide9.xml><?xml version="1.0" encoding="utf-8"?>
 <p:sld xmlns:a="http://schemas.openxmlformats.org/drawingml/2006/main" xmlns:r="http://schemas.openxmlformats.org/officeDocument/2006/relationships" xmlns:p="http://schemas.openxmlformats.org/presentationml/2006/main">
   <p:cSld>
     <p:spTree>
